--- a/00ppt/02-黑马头条-项目初始化.pptx
+++ b/00ppt/02-黑马头条-项目初始化.pptx
@@ -11,10 +11,10 @@
     <p:sldMasterId id="2147483672" r:id="rId7"/>
   </p:sldMasterIdLst>
   <p:notesMasterIdLst>
-    <p:notesMasterId r:id="rId17"/>
+    <p:notesMasterId r:id="rId24"/>
   </p:notesMasterIdLst>
   <p:handoutMasterIdLst>
-    <p:handoutMasterId r:id="rId18"/>
+    <p:handoutMasterId r:id="rId25"/>
   </p:handoutMasterIdLst>
   <p:sldIdLst>
     <p:sldId id="462" r:id="rId8"/>
@@ -25,7 +25,14 @@
     <p:sldId id="467" r:id="rId13"/>
     <p:sldId id="469" r:id="rId14"/>
     <p:sldId id="468" r:id="rId15"/>
-    <p:sldId id="264" r:id="rId16"/>
+    <p:sldId id="471" r:id="rId16"/>
+    <p:sldId id="470" r:id="rId17"/>
+    <p:sldId id="472" r:id="rId18"/>
+    <p:sldId id="473" r:id="rId19"/>
+    <p:sldId id="474" r:id="rId20"/>
+    <p:sldId id="475" r:id="rId21"/>
+    <p:sldId id="476" r:id="rId22"/>
+    <p:sldId id="264" r:id="rId23"/>
   </p:sldIdLst>
   <p:sldSz cx="12192000" cy="6858000"/>
   <p:notesSz cx="6858000" cy="9144000"/>
@@ -141,6 +148,13 @@
             <p14:sldId id="467"/>
             <p14:sldId id="469"/>
             <p14:sldId id="468"/>
+            <p14:sldId id="471"/>
+            <p14:sldId id="470"/>
+            <p14:sldId id="472"/>
+            <p14:sldId id="473"/>
+            <p14:sldId id="474"/>
+            <p14:sldId id="475"/>
+            <p14:sldId id="476"/>
             <p14:sldId id="264"/>
           </p14:sldIdLst>
         </p14:section>
@@ -250,7 +264,7 @@
           <a:p>
             <a:fld id="{593DFD10-C36A-A44C-AC52-E91D9A58CF7E}" type="datetimeFigureOut">
               <a:rPr kumimoji="1" lang="zh-CN" altLang="en-US" smtClean="0"/>
-              <a:t>2021/2/26</a:t>
+              <a:t>2021/2/27</a:t>
             </a:fld>
             <a:endParaRPr kumimoji="1" lang="zh-CN" altLang="en-US"/>
           </a:p>
@@ -427,7 +441,7 @@
           <a:p>
             <a:fld id="{AEE7ACF5-0677-4CC5-89ED-AE83D3F5859D}" type="datetimeFigureOut">
               <a:rPr lang="zh-CN" altLang="en-US" smtClean="0"/>
-              <a:t>2021/2/26</a:t>
+              <a:t>2021/2/27</a:t>
             </a:fld>
             <a:endParaRPr lang="zh-CN" altLang="en-US"/>
           </a:p>
@@ -12310,6 +12324,1367 @@
 </p:sld>
 </file>
 
+<file path=ppt/slides/slide10.xml><?xml version="1.0" encoding="utf-8"?>
+<p:sld xmlns:a="http://schemas.openxmlformats.org/drawingml/2006/main" xmlns:r="http://schemas.openxmlformats.org/officeDocument/2006/relationships" xmlns:p="http://schemas.openxmlformats.org/presentationml/2006/main">
+  <p:cSld>
+    <p:spTree>
+      <p:nvGrpSpPr>
+        <p:cNvPr id="1" name=""/>
+        <p:cNvGrpSpPr/>
+        <p:nvPr/>
+      </p:nvGrpSpPr>
+      <p:grpSpPr>
+        <a:xfrm>
+          <a:off x="0" y="0"/>
+          <a:ext cx="0" cy="0"/>
+          <a:chOff x="0" y="0"/>
+          <a:chExt cx="0" cy="0"/>
+        </a:xfrm>
+      </p:grpSpPr>
+      <p:sp>
+        <p:nvSpPr>
+          <p:cNvPr id="4" name="文本占位符 3">
+            <a:extLst>
+              <a:ext uri="{FF2B5EF4-FFF2-40B4-BE49-F238E27FC236}">
+                <a16:creationId xmlns:a16="http://schemas.microsoft.com/office/drawing/2014/main" id="{2EBB1636-3230-49AF-A965-945445519840}"/>
+              </a:ext>
+            </a:extLst>
+          </p:cNvPr>
+          <p:cNvSpPr>
+            <a:spLocks noGrp="1"/>
+          </p:cNvSpPr>
+          <p:nvPr>
+            <p:ph type="body" sz="quarter" idx="11"/>
+          </p:nvPr>
+        </p:nvSpPr>
+        <p:spPr>
+          <a:xfrm>
+            <a:off x="710880" y="940081"/>
+            <a:ext cx="4891898" cy="4871439"/>
+          </a:xfrm>
+        </p:spPr>
+        <p:txBody>
+          <a:bodyPr/>
+          <a:lstStyle/>
+          <a:p>
+            <a:r>
+              <a:rPr lang="zh-CN" altLang="en-US" sz="1800" b="1"/>
+              <a:t>目标： 将</a:t>
+            </a:r>
+            <a:r>
+              <a:rPr lang="en-US" altLang="zh-CN" sz="1800" b="1"/>
+              <a:t>vant</a:t>
+            </a:r>
+            <a:r>
+              <a:rPr lang="zh-CN" altLang="en-US" sz="1800" b="1"/>
+              <a:t>组件库引入到项目中使用</a:t>
+            </a:r>
+            <a:endParaRPr lang="en-US" altLang="zh-CN"/>
+          </a:p>
+          <a:p>
+            <a:endParaRPr lang="en-US" altLang="zh-CN"/>
+          </a:p>
+          <a:p>
+            <a:endParaRPr lang="en-US" altLang="zh-CN"/>
+          </a:p>
+          <a:p>
+            <a:pPr marL="342900" indent="-342900">
+              <a:buFont typeface="+mj-lt"/>
+              <a:buAutoNum type="arabicPeriod"/>
+            </a:pPr>
+            <a:r>
+              <a:rPr lang="zh-CN" altLang="en-US"/>
+              <a:t>了解</a:t>
+            </a:r>
+            <a:r>
+              <a:rPr lang="en-US" altLang="zh-CN"/>
+              <a:t>vant</a:t>
+            </a:r>
+          </a:p>
+          <a:p>
+            <a:pPr marL="342900" indent="-342900">
+              <a:buFont typeface="+mj-lt"/>
+              <a:buAutoNum type="arabicPeriod"/>
+            </a:pPr>
+            <a:r>
+              <a:rPr lang="zh-CN" altLang="en-US"/>
+              <a:t>安装</a:t>
+            </a:r>
+            <a:r>
+              <a:rPr lang="en-US" altLang="zh-CN"/>
+              <a:t>vant</a:t>
+            </a:r>
+          </a:p>
+          <a:p>
+            <a:pPr marL="342900" indent="-342900">
+              <a:buFont typeface="+mj-lt"/>
+              <a:buAutoNum type="arabicPeriod"/>
+            </a:pPr>
+            <a:r>
+              <a:rPr lang="zh-CN" altLang="en-US"/>
+              <a:t>完整引入</a:t>
+            </a:r>
+            <a:r>
+              <a:rPr lang="en-US" altLang="zh-CN"/>
+              <a:t>vant</a:t>
+            </a:r>
+            <a:r>
+              <a:rPr lang="zh-CN" altLang="en-US"/>
+              <a:t>组件库</a:t>
+            </a:r>
+            <a:endParaRPr lang="en-US" altLang="zh-CN"/>
+          </a:p>
+          <a:p>
+            <a:pPr marL="342900" indent="-342900">
+              <a:buFont typeface="+mj-lt"/>
+              <a:buAutoNum type="arabicPeriod"/>
+            </a:pPr>
+            <a:r>
+              <a:rPr lang="zh-CN" altLang="en-US"/>
+              <a:t>测试使用</a:t>
+            </a:r>
+            <a:endParaRPr lang="en-US" altLang="zh-CN"/>
+          </a:p>
+          <a:p>
+            <a:r>
+              <a:rPr lang="en-US" altLang="zh-CN"/>
+              <a:t>      </a:t>
+            </a:r>
+            <a:r>
+              <a:rPr lang="zh-CN" altLang="en-US"/>
+              <a:t>查官网手册，对照使用</a:t>
+            </a:r>
+          </a:p>
+        </p:txBody>
+      </p:sp>
+      <p:sp>
+        <p:nvSpPr>
+          <p:cNvPr id="3" name="标题 2">
+            <a:extLst>
+              <a:ext uri="{FF2B5EF4-FFF2-40B4-BE49-F238E27FC236}">
+                <a16:creationId xmlns:a16="http://schemas.microsoft.com/office/drawing/2014/main" id="{84792689-5D9E-4DA2-8C12-F3159C68C182}"/>
+              </a:ext>
+            </a:extLst>
+          </p:cNvPr>
+          <p:cNvSpPr>
+            <a:spLocks noGrp="1"/>
+          </p:cNvSpPr>
+          <p:nvPr>
+            <p:ph type="title"/>
+          </p:nvPr>
+        </p:nvSpPr>
+        <p:spPr/>
+        <p:txBody>
+          <a:bodyPr/>
+          <a:lstStyle/>
+          <a:p>
+            <a:r>
+              <a:rPr lang="en-US" altLang="zh-CN"/>
+              <a:t>1.4 </a:t>
+            </a:r>
+            <a:r>
+              <a:rPr lang="zh-CN" altLang="en-US"/>
+              <a:t>引入</a:t>
+            </a:r>
+            <a:r>
+              <a:rPr lang="en-US" altLang="zh-CN"/>
+              <a:t>vant</a:t>
+            </a:r>
+            <a:r>
+              <a:rPr lang="zh-CN" altLang="en-US"/>
+              <a:t>组件库</a:t>
+            </a:r>
+          </a:p>
+        </p:txBody>
+      </p:sp>
+    </p:spTree>
+    <p:extLst>
+      <p:ext uri="{BB962C8B-B14F-4D97-AF65-F5344CB8AC3E}">
+        <p14:creationId xmlns:p14="http://schemas.microsoft.com/office/powerpoint/2010/main" val="819447910"/>
+      </p:ext>
+    </p:extLst>
+  </p:cSld>
+  <p:clrMapOvr>
+    <a:masterClrMapping/>
+  </p:clrMapOvr>
+</p:sld>
+</file>
+
+<file path=ppt/slides/slide11.xml><?xml version="1.0" encoding="utf-8"?>
+<p:sld xmlns:a="http://schemas.openxmlformats.org/drawingml/2006/main" xmlns:r="http://schemas.openxmlformats.org/officeDocument/2006/relationships" xmlns:p="http://schemas.openxmlformats.org/presentationml/2006/main">
+  <p:cSld>
+    <p:spTree>
+      <p:nvGrpSpPr>
+        <p:cNvPr id="1" name=""/>
+        <p:cNvGrpSpPr/>
+        <p:nvPr/>
+      </p:nvGrpSpPr>
+      <p:grpSpPr>
+        <a:xfrm>
+          <a:off x="0" y="0"/>
+          <a:ext cx="0" cy="0"/>
+          <a:chOff x="0" y="0"/>
+          <a:chExt cx="0" cy="0"/>
+        </a:xfrm>
+      </p:grpSpPr>
+      <p:sp>
+        <p:nvSpPr>
+          <p:cNvPr id="4" name="文本占位符 3">
+            <a:extLst>
+              <a:ext uri="{FF2B5EF4-FFF2-40B4-BE49-F238E27FC236}">
+                <a16:creationId xmlns:a16="http://schemas.microsoft.com/office/drawing/2014/main" id="{2EBB1636-3230-49AF-A965-945445519840}"/>
+              </a:ext>
+            </a:extLst>
+          </p:cNvPr>
+          <p:cNvSpPr>
+            <a:spLocks noGrp="1"/>
+          </p:cNvSpPr>
+          <p:nvPr>
+            <p:ph type="body" sz="quarter" idx="11"/>
+          </p:nvPr>
+        </p:nvSpPr>
+        <p:spPr>
+          <a:xfrm>
+            <a:off x="710880" y="940081"/>
+            <a:ext cx="4891898" cy="4871439"/>
+          </a:xfrm>
+        </p:spPr>
+        <p:txBody>
+          <a:bodyPr/>
+          <a:lstStyle/>
+          <a:p>
+            <a:r>
+              <a:rPr lang="zh-CN" altLang="en-US" sz="1800" b="1"/>
+              <a:t>目标： 将</a:t>
+            </a:r>
+            <a:r>
+              <a:rPr lang="en-US" altLang="zh-CN" sz="1800" b="1"/>
+              <a:t>vant</a:t>
+            </a:r>
+            <a:r>
+              <a:rPr lang="zh-CN" altLang="en-US" sz="1800" b="1"/>
+              <a:t>组件库引入到项目中使用</a:t>
+            </a:r>
+            <a:endParaRPr lang="en-US" altLang="zh-CN"/>
+          </a:p>
+          <a:p>
+            <a:endParaRPr lang="en-US" altLang="zh-CN"/>
+          </a:p>
+          <a:p>
+            <a:endParaRPr lang="en-US" altLang="zh-CN"/>
+          </a:p>
+          <a:p>
+            <a:pPr marL="342900" indent="-342900">
+              <a:buFont typeface="+mj-lt"/>
+              <a:buAutoNum type="arabicPeriod"/>
+            </a:pPr>
+            <a:r>
+              <a:rPr lang="zh-CN" altLang="en-US">
+                <a:solidFill>
+                  <a:schemeClr val="accent2"/>
+                </a:solidFill>
+              </a:rPr>
+              <a:t>了解</a:t>
+            </a:r>
+            <a:r>
+              <a:rPr lang="en-US" altLang="zh-CN">
+                <a:solidFill>
+                  <a:schemeClr val="accent2"/>
+                </a:solidFill>
+              </a:rPr>
+              <a:t>vant</a:t>
+            </a:r>
+          </a:p>
+          <a:p>
+            <a:pPr marL="342900" indent="-342900">
+              <a:buFont typeface="+mj-lt"/>
+              <a:buAutoNum type="arabicPeriod"/>
+            </a:pPr>
+            <a:r>
+              <a:rPr lang="zh-CN" altLang="en-US"/>
+              <a:t>安装</a:t>
+            </a:r>
+            <a:r>
+              <a:rPr lang="en-US" altLang="zh-CN"/>
+              <a:t>vant</a:t>
+            </a:r>
+          </a:p>
+          <a:p>
+            <a:pPr marL="342900" indent="-342900">
+              <a:buFont typeface="+mj-lt"/>
+              <a:buAutoNum type="arabicPeriod"/>
+            </a:pPr>
+            <a:r>
+              <a:rPr lang="zh-CN" altLang="en-US"/>
+              <a:t>完整引入</a:t>
+            </a:r>
+            <a:r>
+              <a:rPr lang="en-US" altLang="zh-CN"/>
+              <a:t>vant</a:t>
+            </a:r>
+            <a:r>
+              <a:rPr lang="zh-CN" altLang="en-US"/>
+              <a:t>组件库</a:t>
+            </a:r>
+            <a:endParaRPr lang="en-US" altLang="zh-CN"/>
+          </a:p>
+          <a:p>
+            <a:pPr marL="342900" indent="-342900">
+              <a:buFont typeface="+mj-lt"/>
+              <a:buAutoNum type="arabicPeriod"/>
+            </a:pPr>
+            <a:r>
+              <a:rPr lang="zh-CN" altLang="en-US"/>
+              <a:t>测试使用</a:t>
+            </a:r>
+            <a:endParaRPr lang="en-US" altLang="zh-CN"/>
+          </a:p>
+          <a:p>
+            <a:r>
+              <a:rPr lang="en-US" altLang="zh-CN"/>
+              <a:t>      </a:t>
+            </a:r>
+            <a:r>
+              <a:rPr lang="zh-CN" altLang="en-US"/>
+              <a:t>查官网手册，对照使用</a:t>
+            </a:r>
+          </a:p>
+        </p:txBody>
+      </p:sp>
+      <p:sp>
+        <p:nvSpPr>
+          <p:cNvPr id="3" name="标题 2">
+            <a:extLst>
+              <a:ext uri="{FF2B5EF4-FFF2-40B4-BE49-F238E27FC236}">
+                <a16:creationId xmlns:a16="http://schemas.microsoft.com/office/drawing/2014/main" id="{84792689-5D9E-4DA2-8C12-F3159C68C182}"/>
+              </a:ext>
+            </a:extLst>
+          </p:cNvPr>
+          <p:cNvSpPr>
+            <a:spLocks noGrp="1"/>
+          </p:cNvSpPr>
+          <p:nvPr>
+            <p:ph type="title"/>
+          </p:nvPr>
+        </p:nvSpPr>
+        <p:spPr/>
+        <p:txBody>
+          <a:bodyPr/>
+          <a:lstStyle/>
+          <a:p>
+            <a:r>
+              <a:rPr lang="en-US" altLang="zh-CN"/>
+              <a:t>1.4 </a:t>
+            </a:r>
+            <a:r>
+              <a:rPr lang="zh-CN" altLang="en-US"/>
+              <a:t>引入</a:t>
+            </a:r>
+            <a:r>
+              <a:rPr lang="en-US" altLang="zh-CN"/>
+              <a:t>vant</a:t>
+            </a:r>
+            <a:r>
+              <a:rPr lang="zh-CN" altLang="en-US"/>
+              <a:t>组件库</a:t>
+            </a:r>
+          </a:p>
+        </p:txBody>
+      </p:sp>
+      <p:sp>
+        <p:nvSpPr>
+          <p:cNvPr id="5" name="文本框 4">
+            <a:extLst>
+              <a:ext uri="{FF2B5EF4-FFF2-40B4-BE49-F238E27FC236}">
+                <a16:creationId xmlns:a16="http://schemas.microsoft.com/office/drawing/2014/main" id="{914DB77F-7198-4EAE-9283-5F9FB11396F0}"/>
+              </a:ext>
+            </a:extLst>
+          </p:cNvPr>
+          <p:cNvSpPr txBox="1"/>
+          <p:nvPr/>
+        </p:nvSpPr>
+        <p:spPr>
+          <a:xfrm>
+            <a:off x="6307948" y="4022985"/>
+            <a:ext cx="6094520" cy="2308324"/>
+          </a:xfrm>
+          <a:prstGeom prst="rect">
+            <a:avLst/>
+          </a:prstGeom>
+          <a:noFill/>
+        </p:spPr>
+        <p:txBody>
+          <a:bodyPr wrap="square">
+            <a:spAutoFit/>
+          </a:bodyPr>
+          <a:lstStyle/>
+          <a:p>
+            <a:r>
+              <a:rPr lang="zh-CN" altLang="en-US"/>
+              <a:t>移动端</a:t>
+            </a:r>
+            <a:r>
+              <a:rPr lang="en-US" altLang="zh-CN"/>
+              <a:t>UI</a:t>
+            </a:r>
+          </a:p>
+          <a:p>
+            <a:r>
+              <a:rPr lang="en-US" altLang="zh-CN"/>
+              <a:t>mint UI : </a:t>
+            </a:r>
+            <a:r>
+              <a:rPr lang="zh-CN" altLang="en-US"/>
+              <a:t>饿了么 </a:t>
+            </a:r>
+            <a:r>
+              <a:rPr lang="en-US" altLang="zh-CN"/>
+              <a:t> (element-ui</a:t>
+            </a:r>
+            <a:r>
+              <a:rPr lang="zh-CN" altLang="en-US"/>
+              <a:t>的移动端版</a:t>
+            </a:r>
+            <a:r>
+              <a:rPr lang="en-US" altLang="zh-CN"/>
+              <a:t>)</a:t>
+            </a:r>
+          </a:p>
+          <a:p>
+            <a:r>
+              <a:rPr lang="en-US" altLang="zh-CN"/>
+              <a:t>vant : </a:t>
+            </a:r>
+            <a:r>
+              <a:rPr lang="zh-CN" altLang="en-US"/>
+              <a:t>有赞</a:t>
+            </a:r>
+            <a:endParaRPr lang="en-US" altLang="zh-CN"/>
+          </a:p>
+          <a:p>
+            <a:r>
+              <a:rPr lang="en-US" altLang="zh-CN"/>
+              <a:t>cube-ui : </a:t>
+            </a:r>
+            <a:r>
+              <a:rPr lang="zh-CN" altLang="en-US"/>
+              <a:t>滴滴</a:t>
+            </a:r>
+            <a:endParaRPr lang="en-US" altLang="zh-CN"/>
+          </a:p>
+          <a:p>
+            <a:r>
+              <a:rPr lang="en-US" altLang="zh-CN"/>
+              <a:t>muse UI: </a:t>
+            </a:r>
+          </a:p>
+          <a:p>
+            <a:r>
+              <a:rPr lang="en-US" altLang="zh-CN"/>
+              <a:t>NutUI: JD</a:t>
+            </a:r>
+            <a:endParaRPr lang="zh-CN" altLang="en-US"/>
+          </a:p>
+          <a:p>
+            <a:endParaRPr lang="zh-CN" altLang="en-US"/>
+          </a:p>
+          <a:p>
+            <a:r>
+              <a:rPr lang="zh-CN" altLang="en-US"/>
+              <a:t>https://youzan.github.io/vant/#/zh-CN/quickstart</a:t>
+            </a:r>
+          </a:p>
+        </p:txBody>
+      </p:sp>
+      <p:pic>
+        <p:nvPicPr>
+          <p:cNvPr id="7" name="图片 6">
+            <a:extLst>
+              <a:ext uri="{FF2B5EF4-FFF2-40B4-BE49-F238E27FC236}">
+                <a16:creationId xmlns:a16="http://schemas.microsoft.com/office/drawing/2014/main" id="{2AB6EBA4-2F1F-48DB-AB95-5CBFE4C0DCE5}"/>
+              </a:ext>
+            </a:extLst>
+          </p:cNvPr>
+          <p:cNvPicPr>
+            <a:picLocks noChangeAspect="1"/>
+          </p:cNvPicPr>
+          <p:nvPr/>
+        </p:nvPicPr>
+        <p:blipFill>
+          <a:blip r:embed="rId2"/>
+          <a:stretch>
+            <a:fillRect/>
+          </a:stretch>
+        </p:blipFill>
+        <p:spPr>
+          <a:xfrm>
+            <a:off x="8184962" y="1547193"/>
+            <a:ext cx="1486029" cy="1638442"/>
+          </a:xfrm>
+          <a:prstGeom prst="rect">
+            <a:avLst/>
+          </a:prstGeom>
+        </p:spPr>
+      </p:pic>
+    </p:spTree>
+    <p:extLst>
+      <p:ext uri="{BB962C8B-B14F-4D97-AF65-F5344CB8AC3E}">
+        <p14:creationId xmlns:p14="http://schemas.microsoft.com/office/powerpoint/2010/main" val="2810908526"/>
+      </p:ext>
+    </p:extLst>
+  </p:cSld>
+  <p:clrMapOvr>
+    <a:masterClrMapping/>
+  </p:clrMapOvr>
+</p:sld>
+</file>
+
+<file path=ppt/slides/slide12.xml><?xml version="1.0" encoding="utf-8"?>
+<p:sld xmlns:a="http://schemas.openxmlformats.org/drawingml/2006/main" xmlns:r="http://schemas.openxmlformats.org/officeDocument/2006/relationships" xmlns:p="http://schemas.openxmlformats.org/presentationml/2006/main">
+  <p:cSld>
+    <p:spTree>
+      <p:nvGrpSpPr>
+        <p:cNvPr id="1" name=""/>
+        <p:cNvGrpSpPr/>
+        <p:nvPr/>
+      </p:nvGrpSpPr>
+      <p:grpSpPr>
+        <a:xfrm>
+          <a:off x="0" y="0"/>
+          <a:ext cx="0" cy="0"/>
+          <a:chOff x="0" y="0"/>
+          <a:chExt cx="0" cy="0"/>
+        </a:xfrm>
+      </p:grpSpPr>
+      <p:sp>
+        <p:nvSpPr>
+          <p:cNvPr id="2" name="文本占位符 1">
+            <a:extLst>
+              <a:ext uri="{FF2B5EF4-FFF2-40B4-BE49-F238E27FC236}">
+                <a16:creationId xmlns:a16="http://schemas.microsoft.com/office/drawing/2014/main" id="{2691FACA-E1ED-6A48-A1E4-D925AAC03039}"/>
+              </a:ext>
+            </a:extLst>
+          </p:cNvPr>
+          <p:cNvSpPr>
+            <a:spLocks noGrp="1"/>
+          </p:cNvSpPr>
+          <p:nvPr>
+            <p:ph type="body" sz="quarter" idx="10"/>
+          </p:nvPr>
+        </p:nvSpPr>
+        <p:spPr>
+          <a:xfrm>
+            <a:off x="5019358" y="1006476"/>
+            <a:ext cx="5973761" cy="5100410"/>
+          </a:xfrm>
+        </p:spPr>
+        <p:txBody>
+          <a:bodyPr/>
+          <a:lstStyle/>
+          <a:p>
+            <a:pPr>
+              <a:buFont typeface="+mj-lt"/>
+              <a:buAutoNum type="arabicPeriod"/>
+            </a:pPr>
+            <a:r>
+              <a:rPr lang="zh-CN" altLang="en-US">
+                <a:solidFill>
+                  <a:schemeClr val="tx1"/>
+                </a:solidFill>
+              </a:rPr>
+              <a:t>项目基本介绍</a:t>
+            </a:r>
+          </a:p>
+          <a:p>
+            <a:pPr>
+              <a:buFont typeface="+mj-lt"/>
+              <a:buAutoNum type="arabicPeriod"/>
+            </a:pPr>
+            <a:r>
+              <a:rPr lang="zh-CN" altLang="en-US">
+                <a:solidFill>
+                  <a:schemeClr val="tx1"/>
+                </a:solidFill>
+              </a:rPr>
+              <a:t>用</a:t>
+            </a:r>
+            <a:r>
+              <a:rPr lang="en-US" altLang="zh-CN">
+                <a:solidFill>
+                  <a:schemeClr val="tx1"/>
+                </a:solidFill>
+              </a:rPr>
+              <a:t>vuecli </a:t>
+            </a:r>
+            <a:r>
+              <a:rPr lang="zh-CN" altLang="en-US">
+                <a:solidFill>
+                  <a:schemeClr val="tx1"/>
+                </a:solidFill>
+              </a:rPr>
+              <a:t>创建项目</a:t>
+            </a:r>
+            <a:endParaRPr lang="en-US" altLang="zh-CN">
+              <a:solidFill>
+                <a:schemeClr val="tx1"/>
+              </a:solidFill>
+            </a:endParaRPr>
+          </a:p>
+          <a:p>
+            <a:pPr>
+              <a:buFont typeface="+mj-lt"/>
+              <a:buAutoNum type="arabicPeriod"/>
+            </a:pPr>
+            <a:r>
+              <a:rPr lang="en-US" altLang="zh-CN">
+                <a:solidFill>
+                  <a:schemeClr val="tx1"/>
+                </a:solidFill>
+              </a:rPr>
+              <a:t>gitee</a:t>
+            </a:r>
+            <a:r>
+              <a:rPr lang="zh-CN" altLang="en-US">
+                <a:solidFill>
+                  <a:schemeClr val="tx1"/>
+                </a:solidFill>
+              </a:rPr>
+              <a:t>代码托管</a:t>
+            </a:r>
+            <a:endParaRPr lang="en-US" altLang="zh-CN">
+              <a:solidFill>
+                <a:schemeClr val="tx1"/>
+              </a:solidFill>
+            </a:endParaRPr>
+          </a:p>
+          <a:p>
+            <a:pPr>
+              <a:buFont typeface="+mj-lt"/>
+              <a:buAutoNum type="arabicPeriod"/>
+            </a:pPr>
+            <a:r>
+              <a:rPr lang="zh-CN" altLang="en-US">
+                <a:solidFill>
+                  <a:schemeClr val="tx1"/>
+                </a:solidFill>
+              </a:rPr>
+              <a:t>引入</a:t>
+            </a:r>
+            <a:r>
+              <a:rPr lang="en-US" altLang="zh-CN">
+                <a:solidFill>
+                  <a:schemeClr val="tx1"/>
+                </a:solidFill>
+              </a:rPr>
+              <a:t>vant</a:t>
+            </a:r>
+            <a:r>
+              <a:rPr lang="zh-CN" altLang="en-US">
+                <a:solidFill>
+                  <a:schemeClr val="tx1"/>
+                </a:solidFill>
+              </a:rPr>
+              <a:t>组件库</a:t>
+            </a:r>
+            <a:endParaRPr lang="en-US" altLang="zh-CN">
+              <a:solidFill>
+                <a:schemeClr val="tx1"/>
+              </a:solidFill>
+            </a:endParaRPr>
+          </a:p>
+          <a:p>
+            <a:pPr>
+              <a:buFont typeface="+mj-lt"/>
+              <a:buAutoNum type="arabicPeriod"/>
+            </a:pPr>
+            <a:r>
+              <a:rPr lang="zh-CN" altLang="en-US">
+                <a:solidFill>
+                  <a:srgbClr val="C00000"/>
+                </a:solidFill>
+              </a:rPr>
+              <a:t>引入</a:t>
+            </a:r>
+            <a:r>
+              <a:rPr lang="en-US" altLang="zh-CN">
+                <a:solidFill>
+                  <a:srgbClr val="C00000"/>
+                </a:solidFill>
+              </a:rPr>
+              <a:t>REM</a:t>
+            </a:r>
+            <a:r>
+              <a:rPr lang="zh-CN" altLang="en-US">
+                <a:solidFill>
+                  <a:srgbClr val="C00000"/>
+                </a:solidFill>
+              </a:rPr>
+              <a:t>解决多屏适配</a:t>
+            </a:r>
+            <a:endParaRPr lang="en-US" altLang="zh-CN">
+              <a:solidFill>
+                <a:srgbClr val="C00000"/>
+              </a:solidFill>
+            </a:endParaRPr>
+          </a:p>
+          <a:p>
+            <a:pPr>
+              <a:buFont typeface="+mj-lt"/>
+              <a:buAutoNum type="arabicPeriod"/>
+            </a:pPr>
+            <a:r>
+              <a:rPr lang="zh-CN" altLang="en-US"/>
+              <a:t>封装</a:t>
+            </a:r>
+            <a:r>
+              <a:rPr lang="en-US" altLang="zh-CN"/>
+              <a:t>axios</a:t>
+            </a:r>
+            <a:r>
+              <a:rPr lang="zh-CN" altLang="en-US"/>
+              <a:t>请求</a:t>
+            </a:r>
+            <a:endParaRPr lang="en-US" altLang="zh-CN"/>
+          </a:p>
+        </p:txBody>
+      </p:sp>
+    </p:spTree>
+    <p:extLst>
+      <p:ext uri="{BB962C8B-B14F-4D97-AF65-F5344CB8AC3E}">
+        <p14:creationId xmlns:p14="http://schemas.microsoft.com/office/powerpoint/2010/main" val="730119615"/>
+      </p:ext>
+    </p:extLst>
+  </p:cSld>
+  <p:clrMapOvr>
+    <a:masterClrMapping/>
+  </p:clrMapOvr>
+</p:sld>
+</file>
+
+<file path=ppt/slides/slide13.xml><?xml version="1.0" encoding="utf-8"?>
+<p:sld xmlns:a="http://schemas.openxmlformats.org/drawingml/2006/main" xmlns:r="http://schemas.openxmlformats.org/officeDocument/2006/relationships" xmlns:p="http://schemas.openxmlformats.org/presentationml/2006/main">
+  <p:cSld>
+    <p:spTree>
+      <p:nvGrpSpPr>
+        <p:cNvPr id="1" name=""/>
+        <p:cNvGrpSpPr/>
+        <p:nvPr/>
+      </p:nvGrpSpPr>
+      <p:grpSpPr>
+        <a:xfrm>
+          <a:off x="0" y="0"/>
+          <a:ext cx="0" cy="0"/>
+          <a:chOff x="0" y="0"/>
+          <a:chExt cx="0" cy="0"/>
+        </a:xfrm>
+      </p:grpSpPr>
+      <p:sp>
+        <p:nvSpPr>
+          <p:cNvPr id="4" name="文本占位符 3">
+            <a:extLst>
+              <a:ext uri="{FF2B5EF4-FFF2-40B4-BE49-F238E27FC236}">
+                <a16:creationId xmlns:a16="http://schemas.microsoft.com/office/drawing/2014/main" id="{2EBB1636-3230-49AF-A965-945445519840}"/>
+              </a:ext>
+            </a:extLst>
+          </p:cNvPr>
+          <p:cNvSpPr>
+            <a:spLocks noGrp="1"/>
+          </p:cNvSpPr>
+          <p:nvPr>
+            <p:ph type="body" sz="quarter" idx="11"/>
+          </p:nvPr>
+        </p:nvSpPr>
+        <p:spPr>
+          <a:xfrm>
+            <a:off x="710880" y="940081"/>
+            <a:ext cx="4891898" cy="4871439"/>
+          </a:xfrm>
+        </p:spPr>
+        <p:txBody>
+          <a:bodyPr/>
+          <a:lstStyle/>
+          <a:p>
+            <a:r>
+              <a:rPr lang="zh-CN" altLang="en-US" sz="1800" b="1"/>
+              <a:t>目标： 将</a:t>
+            </a:r>
+            <a:r>
+              <a:rPr lang="en-US" altLang="zh-CN" sz="1800" b="1"/>
+              <a:t>vant</a:t>
+            </a:r>
+            <a:r>
+              <a:rPr lang="zh-CN" altLang="en-US" sz="1800" b="1"/>
+              <a:t>组件库引入到项目中使用</a:t>
+            </a:r>
+            <a:endParaRPr lang="en-US" altLang="zh-CN"/>
+          </a:p>
+          <a:p>
+            <a:endParaRPr lang="en-US" altLang="zh-CN"/>
+          </a:p>
+          <a:p>
+            <a:endParaRPr lang="en-US" altLang="zh-CN"/>
+          </a:p>
+          <a:p>
+            <a:pPr marL="342900" indent="-342900">
+              <a:buFont typeface="+mj-lt"/>
+              <a:buAutoNum type="arabicPeriod"/>
+            </a:pPr>
+            <a:r>
+              <a:rPr lang="zh-CN" altLang="en-US">
+                <a:solidFill>
+                  <a:schemeClr val="accent2"/>
+                </a:solidFill>
+              </a:rPr>
+              <a:t>问题分析</a:t>
+            </a:r>
+            <a:endParaRPr lang="en-US" altLang="zh-CN">
+              <a:solidFill>
+                <a:schemeClr val="accent2"/>
+              </a:solidFill>
+            </a:endParaRPr>
+          </a:p>
+          <a:p>
+            <a:pPr marL="342900" indent="-342900">
+              <a:buFont typeface="+mj-lt"/>
+              <a:buAutoNum type="arabicPeriod"/>
+            </a:pPr>
+            <a:r>
+              <a:rPr lang="zh-CN" altLang="en-US"/>
+              <a:t>用</a:t>
+            </a:r>
+            <a:r>
+              <a:rPr lang="en-US" altLang="zh-CN"/>
+              <a:t>postcss-pxtorem</a:t>
+            </a:r>
+            <a:r>
+              <a:rPr lang="zh-CN" altLang="en-US"/>
+              <a:t>把</a:t>
+            </a:r>
+            <a:r>
+              <a:rPr lang="en-US" altLang="zh-CN"/>
+              <a:t>px</a:t>
+            </a:r>
+            <a:r>
+              <a:rPr lang="zh-CN" altLang="en-US"/>
+              <a:t>转</a:t>
+            </a:r>
+            <a:r>
+              <a:rPr lang="en-US" altLang="zh-CN"/>
+              <a:t>rem</a:t>
+            </a:r>
+          </a:p>
+          <a:p>
+            <a:pPr marL="342900" indent="-342900">
+              <a:buFont typeface="+mj-lt"/>
+              <a:buAutoNum type="arabicPeriod"/>
+            </a:pPr>
+            <a:r>
+              <a:rPr lang="zh-CN" altLang="en-US"/>
+              <a:t>用</a:t>
+            </a:r>
+            <a:r>
+              <a:rPr lang="en-US" altLang="zh-CN"/>
+              <a:t>amfe-flexible</a:t>
+            </a:r>
+            <a:r>
+              <a:rPr lang="zh-CN" altLang="en-US"/>
+              <a:t>实现多屏适配</a:t>
+            </a:r>
+            <a:endParaRPr lang="en-US" altLang="zh-CN"/>
+          </a:p>
+        </p:txBody>
+      </p:sp>
+      <p:sp>
+        <p:nvSpPr>
+          <p:cNvPr id="3" name="标题 2">
+            <a:extLst>
+              <a:ext uri="{FF2B5EF4-FFF2-40B4-BE49-F238E27FC236}">
+                <a16:creationId xmlns:a16="http://schemas.microsoft.com/office/drawing/2014/main" id="{84792689-5D9E-4DA2-8C12-F3159C68C182}"/>
+              </a:ext>
+            </a:extLst>
+          </p:cNvPr>
+          <p:cNvSpPr>
+            <a:spLocks noGrp="1"/>
+          </p:cNvSpPr>
+          <p:nvPr>
+            <p:ph type="title"/>
+          </p:nvPr>
+        </p:nvSpPr>
+        <p:spPr/>
+        <p:txBody>
+          <a:bodyPr/>
+          <a:lstStyle/>
+          <a:p>
+            <a:r>
+              <a:rPr lang="en-US" altLang="zh-CN"/>
+              <a:t>1.5 </a:t>
+            </a:r>
+            <a:r>
+              <a:rPr lang="zh-CN" altLang="en-US"/>
+              <a:t>用</a:t>
+            </a:r>
+            <a:r>
+              <a:rPr lang="en-US" altLang="zh-CN"/>
+              <a:t>flexiable + REM</a:t>
+            </a:r>
+            <a:r>
+              <a:rPr lang="zh-CN" altLang="en-US"/>
+              <a:t>解决多屏适配</a:t>
+            </a:r>
+          </a:p>
+        </p:txBody>
+      </p:sp>
+    </p:spTree>
+    <p:extLst>
+      <p:ext uri="{BB962C8B-B14F-4D97-AF65-F5344CB8AC3E}">
+        <p14:creationId xmlns:p14="http://schemas.microsoft.com/office/powerpoint/2010/main" val="614395502"/>
+      </p:ext>
+    </p:extLst>
+  </p:cSld>
+  <p:clrMapOvr>
+    <a:masterClrMapping/>
+  </p:clrMapOvr>
+</p:sld>
+</file>
+
+<file path=ppt/slides/slide14.xml><?xml version="1.0" encoding="utf-8"?>
+<p:sld xmlns:a="http://schemas.openxmlformats.org/drawingml/2006/main" xmlns:r="http://schemas.openxmlformats.org/officeDocument/2006/relationships" xmlns:p="http://schemas.openxmlformats.org/presentationml/2006/main">
+  <p:cSld>
+    <p:spTree>
+      <p:nvGrpSpPr>
+        <p:cNvPr id="1" name=""/>
+        <p:cNvGrpSpPr/>
+        <p:nvPr/>
+      </p:nvGrpSpPr>
+      <p:grpSpPr>
+        <a:xfrm>
+          <a:off x="0" y="0"/>
+          <a:ext cx="0" cy="0"/>
+          <a:chOff x="0" y="0"/>
+          <a:chExt cx="0" cy="0"/>
+        </a:xfrm>
+      </p:grpSpPr>
+      <p:sp>
+        <p:nvSpPr>
+          <p:cNvPr id="2" name="文本占位符 1">
+            <a:extLst>
+              <a:ext uri="{FF2B5EF4-FFF2-40B4-BE49-F238E27FC236}">
+                <a16:creationId xmlns:a16="http://schemas.microsoft.com/office/drawing/2014/main" id="{2691FACA-E1ED-6A48-A1E4-D925AAC03039}"/>
+              </a:ext>
+            </a:extLst>
+          </p:cNvPr>
+          <p:cNvSpPr>
+            <a:spLocks noGrp="1"/>
+          </p:cNvSpPr>
+          <p:nvPr>
+            <p:ph type="body" sz="quarter" idx="10"/>
+          </p:nvPr>
+        </p:nvSpPr>
+        <p:spPr>
+          <a:xfrm>
+            <a:off x="5019358" y="1006476"/>
+            <a:ext cx="5973761" cy="5100410"/>
+          </a:xfrm>
+        </p:spPr>
+        <p:txBody>
+          <a:bodyPr/>
+          <a:lstStyle/>
+          <a:p>
+            <a:pPr>
+              <a:buFont typeface="+mj-lt"/>
+              <a:buAutoNum type="arabicPeriod"/>
+            </a:pPr>
+            <a:r>
+              <a:rPr lang="zh-CN" altLang="en-US">
+                <a:solidFill>
+                  <a:schemeClr val="tx1"/>
+                </a:solidFill>
+              </a:rPr>
+              <a:t>项目基本介绍</a:t>
+            </a:r>
+          </a:p>
+          <a:p>
+            <a:pPr>
+              <a:buFont typeface="+mj-lt"/>
+              <a:buAutoNum type="arabicPeriod"/>
+            </a:pPr>
+            <a:r>
+              <a:rPr lang="zh-CN" altLang="en-US">
+                <a:solidFill>
+                  <a:schemeClr val="tx1"/>
+                </a:solidFill>
+              </a:rPr>
+              <a:t>用</a:t>
+            </a:r>
+            <a:r>
+              <a:rPr lang="en-US" altLang="zh-CN">
+                <a:solidFill>
+                  <a:schemeClr val="tx1"/>
+                </a:solidFill>
+              </a:rPr>
+              <a:t>vuecli </a:t>
+            </a:r>
+            <a:r>
+              <a:rPr lang="zh-CN" altLang="en-US">
+                <a:solidFill>
+                  <a:schemeClr val="tx1"/>
+                </a:solidFill>
+              </a:rPr>
+              <a:t>创建项目</a:t>
+            </a:r>
+            <a:endParaRPr lang="en-US" altLang="zh-CN">
+              <a:solidFill>
+                <a:schemeClr val="tx1"/>
+              </a:solidFill>
+            </a:endParaRPr>
+          </a:p>
+          <a:p>
+            <a:pPr>
+              <a:buFont typeface="+mj-lt"/>
+              <a:buAutoNum type="arabicPeriod"/>
+            </a:pPr>
+            <a:r>
+              <a:rPr lang="en-US" altLang="zh-CN">
+                <a:solidFill>
+                  <a:schemeClr val="tx1"/>
+                </a:solidFill>
+              </a:rPr>
+              <a:t>gitee</a:t>
+            </a:r>
+            <a:r>
+              <a:rPr lang="zh-CN" altLang="en-US">
+                <a:solidFill>
+                  <a:schemeClr val="tx1"/>
+                </a:solidFill>
+              </a:rPr>
+              <a:t>代码托管</a:t>
+            </a:r>
+            <a:endParaRPr lang="en-US" altLang="zh-CN">
+              <a:solidFill>
+                <a:schemeClr val="tx1"/>
+              </a:solidFill>
+            </a:endParaRPr>
+          </a:p>
+          <a:p>
+            <a:pPr>
+              <a:buFont typeface="+mj-lt"/>
+              <a:buAutoNum type="arabicPeriod"/>
+            </a:pPr>
+            <a:r>
+              <a:rPr lang="zh-CN" altLang="en-US">
+                <a:solidFill>
+                  <a:schemeClr val="tx1"/>
+                </a:solidFill>
+              </a:rPr>
+              <a:t>引入</a:t>
+            </a:r>
+            <a:r>
+              <a:rPr lang="en-US" altLang="zh-CN">
+                <a:solidFill>
+                  <a:schemeClr val="tx1"/>
+                </a:solidFill>
+              </a:rPr>
+              <a:t>vant</a:t>
+            </a:r>
+            <a:r>
+              <a:rPr lang="zh-CN" altLang="en-US">
+                <a:solidFill>
+                  <a:schemeClr val="tx1"/>
+                </a:solidFill>
+              </a:rPr>
+              <a:t>组件库</a:t>
+            </a:r>
+            <a:endParaRPr lang="en-US" altLang="zh-CN">
+              <a:solidFill>
+                <a:schemeClr val="tx1"/>
+              </a:solidFill>
+            </a:endParaRPr>
+          </a:p>
+          <a:p>
+            <a:pPr>
+              <a:buFont typeface="+mj-lt"/>
+              <a:buAutoNum type="arabicPeriod"/>
+            </a:pPr>
+            <a:r>
+              <a:rPr lang="zh-CN" altLang="en-US">
+                <a:solidFill>
+                  <a:schemeClr val="tx1"/>
+                </a:solidFill>
+              </a:rPr>
+              <a:t>引入</a:t>
+            </a:r>
+            <a:r>
+              <a:rPr lang="en-US" altLang="zh-CN">
+                <a:solidFill>
+                  <a:schemeClr val="tx1"/>
+                </a:solidFill>
+              </a:rPr>
+              <a:t>REM</a:t>
+            </a:r>
+            <a:r>
+              <a:rPr lang="zh-CN" altLang="en-US">
+                <a:solidFill>
+                  <a:schemeClr val="tx1"/>
+                </a:solidFill>
+              </a:rPr>
+              <a:t>解决多屏适配</a:t>
+            </a:r>
+            <a:endParaRPr lang="en-US" altLang="zh-CN">
+              <a:solidFill>
+                <a:schemeClr val="tx1"/>
+              </a:solidFill>
+            </a:endParaRPr>
+          </a:p>
+          <a:p>
+            <a:pPr>
+              <a:buFont typeface="+mj-lt"/>
+              <a:buAutoNum type="arabicPeriod"/>
+            </a:pPr>
+            <a:r>
+              <a:rPr lang="zh-CN" altLang="en-US">
+                <a:solidFill>
+                  <a:srgbClr val="C00000"/>
+                </a:solidFill>
+              </a:rPr>
+              <a:t>封装</a:t>
+            </a:r>
+            <a:r>
+              <a:rPr lang="en-US" altLang="zh-CN">
+                <a:solidFill>
+                  <a:srgbClr val="C00000"/>
+                </a:solidFill>
+              </a:rPr>
+              <a:t>axios</a:t>
+            </a:r>
+            <a:r>
+              <a:rPr lang="zh-CN" altLang="en-US">
+                <a:solidFill>
+                  <a:srgbClr val="C00000"/>
+                </a:solidFill>
+              </a:rPr>
+              <a:t>请求</a:t>
+            </a:r>
+            <a:endParaRPr lang="en-US" altLang="zh-CN">
+              <a:solidFill>
+                <a:srgbClr val="C00000"/>
+              </a:solidFill>
+            </a:endParaRPr>
+          </a:p>
+        </p:txBody>
+      </p:sp>
+    </p:spTree>
+    <p:extLst>
+      <p:ext uri="{BB962C8B-B14F-4D97-AF65-F5344CB8AC3E}">
+        <p14:creationId xmlns:p14="http://schemas.microsoft.com/office/powerpoint/2010/main" val="1531310510"/>
+      </p:ext>
+    </p:extLst>
+  </p:cSld>
+  <p:clrMapOvr>
+    <a:masterClrMapping/>
+  </p:clrMapOvr>
+</p:sld>
+</file>
+
+<file path=ppt/slides/slide15.xml><?xml version="1.0" encoding="utf-8"?>
+<p:sld xmlns:a="http://schemas.openxmlformats.org/drawingml/2006/main" xmlns:r="http://schemas.openxmlformats.org/officeDocument/2006/relationships" xmlns:p="http://schemas.openxmlformats.org/presentationml/2006/main">
+  <p:cSld>
+    <p:spTree>
+      <p:nvGrpSpPr>
+        <p:cNvPr id="1" name=""/>
+        <p:cNvGrpSpPr/>
+        <p:nvPr/>
+      </p:nvGrpSpPr>
+      <p:grpSpPr>
+        <a:xfrm>
+          <a:off x="0" y="0"/>
+          <a:ext cx="0" cy="0"/>
+          <a:chOff x="0" y="0"/>
+          <a:chExt cx="0" cy="0"/>
+        </a:xfrm>
+      </p:grpSpPr>
+      <p:sp>
+        <p:nvSpPr>
+          <p:cNvPr id="4" name="文本占位符 3">
+            <a:extLst>
+              <a:ext uri="{FF2B5EF4-FFF2-40B4-BE49-F238E27FC236}">
+                <a16:creationId xmlns:a16="http://schemas.microsoft.com/office/drawing/2014/main" id="{2EBB1636-3230-49AF-A965-945445519840}"/>
+              </a:ext>
+            </a:extLst>
+          </p:cNvPr>
+          <p:cNvSpPr>
+            <a:spLocks noGrp="1"/>
+          </p:cNvSpPr>
+          <p:nvPr>
+            <p:ph type="body" sz="quarter" idx="11"/>
+          </p:nvPr>
+        </p:nvSpPr>
+        <p:spPr>
+          <a:xfrm>
+            <a:off x="710880" y="940081"/>
+            <a:ext cx="4891898" cy="4871439"/>
+          </a:xfrm>
+        </p:spPr>
+        <p:txBody>
+          <a:bodyPr/>
+          <a:lstStyle/>
+          <a:p>
+            <a:r>
+              <a:rPr lang="zh-CN" altLang="en-US" sz="1800" b="1"/>
+              <a:t>目标： 将</a:t>
+            </a:r>
+            <a:r>
+              <a:rPr lang="en-US" altLang="zh-CN" sz="1800" b="1"/>
+              <a:t>vant</a:t>
+            </a:r>
+            <a:r>
+              <a:rPr lang="zh-CN" altLang="en-US" sz="1800" b="1"/>
+              <a:t>组件库引入到项目中使用</a:t>
+            </a:r>
+            <a:endParaRPr lang="en-US" altLang="zh-CN"/>
+          </a:p>
+          <a:p>
+            <a:endParaRPr lang="en-US" altLang="zh-CN"/>
+          </a:p>
+          <a:p>
+            <a:endParaRPr lang="en-US" altLang="zh-CN"/>
+          </a:p>
+          <a:p>
+            <a:pPr marL="342900" indent="-342900">
+              <a:buFont typeface="+mj-lt"/>
+              <a:buAutoNum type="arabicPeriod"/>
+            </a:pPr>
+            <a:r>
+              <a:rPr lang="zh-CN" altLang="en-US">
+                <a:solidFill>
+                  <a:schemeClr val="accent2"/>
+                </a:solidFill>
+              </a:rPr>
+              <a:t>安装</a:t>
+            </a:r>
+            <a:r>
+              <a:rPr lang="en-US" altLang="zh-CN">
+                <a:solidFill>
+                  <a:schemeClr val="accent2"/>
+                </a:solidFill>
+              </a:rPr>
+              <a:t>axios</a:t>
+            </a:r>
+          </a:p>
+          <a:p>
+            <a:pPr marL="342900" indent="-342900">
+              <a:buFont typeface="+mj-lt"/>
+              <a:buAutoNum type="arabicPeriod"/>
+            </a:pPr>
+            <a:r>
+              <a:rPr lang="zh-CN" altLang="en-US"/>
+              <a:t>封装</a:t>
+            </a:r>
+            <a:endParaRPr lang="en-US" altLang="zh-CN"/>
+          </a:p>
+          <a:p>
+            <a:pPr marL="342900" indent="-342900">
+              <a:buFont typeface="+mj-lt"/>
+              <a:buAutoNum type="arabicPeriod"/>
+            </a:pPr>
+            <a:r>
+              <a:rPr lang="zh-CN" altLang="en-US"/>
+              <a:t>用</a:t>
+            </a:r>
+            <a:r>
+              <a:rPr lang="en-US" altLang="zh-CN"/>
+              <a:t>amfe-flexible</a:t>
+            </a:r>
+            <a:r>
+              <a:rPr lang="zh-CN" altLang="en-US"/>
+              <a:t>实现多屏适配</a:t>
+            </a:r>
+            <a:endParaRPr lang="en-US" altLang="zh-CN"/>
+          </a:p>
+        </p:txBody>
+      </p:sp>
+      <p:sp>
+        <p:nvSpPr>
+          <p:cNvPr id="3" name="标题 2">
+            <a:extLst>
+              <a:ext uri="{FF2B5EF4-FFF2-40B4-BE49-F238E27FC236}">
+                <a16:creationId xmlns:a16="http://schemas.microsoft.com/office/drawing/2014/main" id="{84792689-5D9E-4DA2-8C12-F3159C68C182}"/>
+              </a:ext>
+            </a:extLst>
+          </p:cNvPr>
+          <p:cNvSpPr>
+            <a:spLocks noGrp="1"/>
+          </p:cNvSpPr>
+          <p:nvPr>
+            <p:ph type="title"/>
+          </p:nvPr>
+        </p:nvSpPr>
+        <p:spPr/>
+        <p:txBody>
+          <a:bodyPr/>
+          <a:lstStyle/>
+          <a:p>
+            <a:r>
+              <a:rPr lang="en-US" altLang="zh-CN"/>
+              <a:t>1.6 </a:t>
+            </a:r>
+            <a:r>
+              <a:rPr lang="zh-CN" altLang="en-US"/>
+              <a:t>引入</a:t>
+            </a:r>
+            <a:r>
+              <a:rPr lang="en-US" altLang="zh-CN"/>
+              <a:t>axios</a:t>
+            </a:r>
+            <a:r>
+              <a:rPr lang="zh-CN" altLang="en-US"/>
+              <a:t>并进行封装</a:t>
+            </a:r>
+          </a:p>
+        </p:txBody>
+      </p:sp>
+    </p:spTree>
+    <p:extLst>
+      <p:ext uri="{BB962C8B-B14F-4D97-AF65-F5344CB8AC3E}">
+        <p14:creationId xmlns:p14="http://schemas.microsoft.com/office/powerpoint/2010/main" val="1524660876"/>
+      </p:ext>
+    </p:extLst>
+  </p:cSld>
+  <p:clrMapOvr>
+    <a:masterClrMapping/>
+  </p:clrMapOvr>
+</p:sld>
+</file>
+
+<file path=ppt/slides/slide16.xml><?xml version="1.0" encoding="utf-8"?>
+<p:sld xmlns:a="http://schemas.openxmlformats.org/drawingml/2006/main" xmlns:r="http://schemas.openxmlformats.org/officeDocument/2006/relationships" xmlns:p="http://schemas.openxmlformats.org/presentationml/2006/main">
+  <p:cSld>
+    <p:spTree>
+      <p:nvGrpSpPr>
+        <p:cNvPr id="1" name=""/>
+        <p:cNvGrpSpPr/>
+        <p:nvPr/>
+      </p:nvGrpSpPr>
+      <p:grpSpPr>
+        <a:xfrm>
+          <a:off x="0" y="0"/>
+          <a:ext cx="0" cy="0"/>
+          <a:chOff x="0" y="0"/>
+          <a:chExt cx="0" cy="0"/>
+        </a:xfrm>
+      </p:grpSpPr>
+    </p:spTree>
+    <p:extLst>
+      <p:ext uri="{BB962C8B-B14F-4D97-AF65-F5344CB8AC3E}">
+        <p14:creationId xmlns:p14="http://schemas.microsoft.com/office/powerpoint/2010/main" val="2955645788"/>
+      </p:ext>
+    </p:extLst>
+  </p:cSld>
+  <p:clrMapOvr>
+    <a:masterClrMapping/>
+  </p:clrMapOvr>
+</p:sld>
+</file>
+
 <file path=ppt/slides/slide2.xml><?xml version="1.0" encoding="utf-8"?>
 <p:sld xmlns:a="http://schemas.openxmlformats.org/drawingml/2006/main" xmlns:r="http://schemas.openxmlformats.org/officeDocument/2006/relationships" xmlns:p="http://schemas.openxmlformats.org/presentationml/2006/main">
   <p:cSld>
@@ -12627,7 +14002,7 @@
         <p:spPr>
           <a:xfrm>
             <a:off x="710880" y="940081"/>
-            <a:ext cx="4380409" cy="4871439"/>
+            <a:ext cx="8166790" cy="4871439"/>
           </a:xfrm>
         </p:spPr>
         <p:txBody>
@@ -12727,7 +14102,7 @@
           <a:p>
             <a:r>
               <a:rPr lang="en-US" altLang="zh-CN"/>
-              <a:t>- **socket.io**-client  </a:t>
+              <a:t>- socket.io-client  </a:t>
             </a:r>
             <a:r>
               <a:rPr lang="zh-CN" altLang="en-US"/>
@@ -12840,8 +14215,8 @@
         </p:nvSpPr>
         <p:spPr>
           <a:xfrm>
-            <a:off x="7291696" y="993280"/>
-            <a:ext cx="4380409" cy="4871439"/>
+            <a:off x="9481900" y="3001788"/>
+            <a:ext cx="1284133" cy="1073063"/>
           </a:xfrm>
           <a:prstGeom prst="rect">
             <a:avLst/>
@@ -13010,19 +14385,42 @@
           <a:p>
             <a:r>
               <a:rPr lang="zh-CN" altLang="en-US"/>
-              <a:t>演示地址：</a:t>
-            </a:r>
-            <a:endParaRPr lang="en-US" altLang="zh-CN"/>
-          </a:p>
-          <a:p>
-            <a:r>
-              <a:rPr lang="zh-CN" altLang="en-US"/>
-              <a:t>代码仓库地址：</a:t>
+              <a:t>演示地址</a:t>
             </a:r>
             <a:endParaRPr lang="en-US" altLang="zh-CN"/>
           </a:p>
         </p:txBody>
       </p:sp>
+      <p:pic>
+        <p:nvPicPr>
+          <p:cNvPr id="5" name="图片 4">
+            <a:extLst>
+              <a:ext uri="{FF2B5EF4-FFF2-40B4-BE49-F238E27FC236}">
+                <a16:creationId xmlns:a16="http://schemas.microsoft.com/office/drawing/2014/main" id="{700B0E2C-BD14-4FCF-A6FB-460962664AAD}"/>
+              </a:ext>
+            </a:extLst>
+          </p:cNvPr>
+          <p:cNvPicPr>
+            <a:picLocks noChangeAspect="1"/>
+          </p:cNvPicPr>
+          <p:nvPr/>
+        </p:nvPicPr>
+        <p:blipFill>
+          <a:blip r:embed="rId2"/>
+          <a:stretch>
+            <a:fillRect/>
+          </a:stretch>
+        </p:blipFill>
+        <p:spPr>
+          <a:xfrm>
+            <a:off x="9481900" y="3643162"/>
+            <a:ext cx="1806097" cy="1836579"/>
+          </a:xfrm>
+          <a:prstGeom prst="rect">
+            <a:avLst/>
+          </a:prstGeom>
+        </p:spPr>
+      </p:pic>
     </p:spTree>
     <p:extLst>
       <p:ext uri="{BB962C8B-B14F-4D97-AF65-F5344CB8AC3E}">
@@ -13770,7 +15168,15 @@
             </a:pPr>
             <a:r>
               <a:rPr lang="zh-CN" altLang="en-US"/>
-              <a:t>建立同名的远程仓库</a:t>
+              <a:t>在</a:t>
+            </a:r>
+            <a:r>
+              <a:rPr lang="en-US" altLang="zh-CN"/>
+              <a:t>gitee</a:t>
+            </a:r>
+            <a:r>
+              <a:rPr lang="zh-CN" altLang="en-US"/>
+              <a:t>中建立同名的远程空仓库</a:t>
             </a:r>
             <a:endParaRPr lang="en-US" altLang="zh-CN"/>
           </a:p>
@@ -13781,7 +15187,7 @@
             </a:pPr>
             <a:r>
               <a:rPr lang="zh-CN" altLang="en-US"/>
-              <a:t>克隆原创仓库到本地</a:t>
+              <a:t>本地仓库与远程仓库建立连接</a:t>
             </a:r>
             <a:endParaRPr lang="en-US" altLang="zh-CN"/>
           </a:p>
@@ -13792,18 +15198,7 @@
             </a:pPr>
             <a:r>
               <a:rPr lang="zh-CN" altLang="en-US"/>
-              <a:t>复制本地代码到仓库中</a:t>
-            </a:r>
-            <a:endParaRPr lang="en-US" altLang="zh-CN"/>
-          </a:p>
-          <a:p>
-            <a:pPr marL="342900" indent="-342900">
-              <a:buFont typeface="+mj-lt"/>
-              <a:buAutoNum type="arabicPeriod"/>
-            </a:pPr>
-            <a:r>
-              <a:rPr lang="zh-CN" altLang="en-US"/>
-              <a:t>提交并推送</a:t>
+              <a:t>推送</a:t>
             </a:r>
           </a:p>
         </p:txBody>
@@ -13870,10 +15265,186 @@
           <a:chExt cx="0" cy="0"/>
         </a:xfrm>
       </p:grpSpPr>
+      <p:sp>
+        <p:nvSpPr>
+          <p:cNvPr id="2" name="文本占位符 1">
+            <a:extLst>
+              <a:ext uri="{FF2B5EF4-FFF2-40B4-BE49-F238E27FC236}">
+                <a16:creationId xmlns:a16="http://schemas.microsoft.com/office/drawing/2014/main" id="{2691FACA-E1ED-6A48-A1E4-D925AAC03039}"/>
+              </a:ext>
+            </a:extLst>
+          </p:cNvPr>
+          <p:cNvSpPr>
+            <a:spLocks noGrp="1"/>
+          </p:cNvSpPr>
+          <p:nvPr>
+            <p:ph type="body" sz="quarter" idx="10"/>
+          </p:nvPr>
+        </p:nvSpPr>
+        <p:spPr>
+          <a:xfrm>
+            <a:off x="5019358" y="1006476"/>
+            <a:ext cx="5973761" cy="5100410"/>
+          </a:xfrm>
+        </p:spPr>
+        <p:txBody>
+          <a:bodyPr/>
+          <a:lstStyle/>
+          <a:p>
+            <a:pPr>
+              <a:buFont typeface="+mj-lt"/>
+              <a:buAutoNum type="arabicPeriod"/>
+            </a:pPr>
+            <a:r>
+              <a:rPr lang="zh-CN" altLang="en-US">
+                <a:solidFill>
+                  <a:schemeClr val="tx1"/>
+                </a:solidFill>
+              </a:rPr>
+              <a:t>项目基本介绍</a:t>
+            </a:r>
+          </a:p>
+          <a:p>
+            <a:pPr>
+              <a:buFont typeface="+mj-lt"/>
+              <a:buAutoNum type="arabicPeriod"/>
+            </a:pPr>
+            <a:r>
+              <a:rPr lang="zh-CN" altLang="en-US">
+                <a:solidFill>
+                  <a:schemeClr val="tx1"/>
+                </a:solidFill>
+              </a:rPr>
+              <a:t>用</a:t>
+            </a:r>
+            <a:r>
+              <a:rPr lang="en-US" altLang="zh-CN">
+                <a:solidFill>
+                  <a:schemeClr val="tx1"/>
+                </a:solidFill>
+              </a:rPr>
+              <a:t>vuecli </a:t>
+            </a:r>
+            <a:r>
+              <a:rPr lang="zh-CN" altLang="en-US">
+                <a:solidFill>
+                  <a:schemeClr val="tx1"/>
+                </a:solidFill>
+              </a:rPr>
+              <a:t>创建项目</a:t>
+            </a:r>
+            <a:endParaRPr lang="en-US" altLang="zh-CN">
+              <a:solidFill>
+                <a:schemeClr val="tx1"/>
+              </a:solidFill>
+            </a:endParaRPr>
+          </a:p>
+          <a:p>
+            <a:pPr>
+              <a:buFont typeface="+mj-lt"/>
+              <a:buAutoNum type="arabicPeriod"/>
+            </a:pPr>
+            <a:r>
+              <a:rPr lang="en-US" altLang="zh-CN">
+                <a:solidFill>
+                  <a:schemeClr val="tx1"/>
+                </a:solidFill>
+              </a:rPr>
+              <a:t>gitee</a:t>
+            </a:r>
+            <a:r>
+              <a:rPr lang="zh-CN" altLang="en-US">
+                <a:solidFill>
+                  <a:schemeClr val="tx1"/>
+                </a:solidFill>
+              </a:rPr>
+              <a:t>代码托管</a:t>
+            </a:r>
+            <a:endParaRPr lang="en-US" altLang="zh-CN">
+              <a:solidFill>
+                <a:schemeClr val="tx1"/>
+              </a:solidFill>
+            </a:endParaRPr>
+          </a:p>
+          <a:p>
+            <a:pPr>
+              <a:buFont typeface="+mj-lt"/>
+              <a:buAutoNum type="arabicPeriod"/>
+            </a:pPr>
+            <a:r>
+              <a:rPr lang="zh-CN" altLang="en-US">
+                <a:solidFill>
+                  <a:srgbClr val="C00000"/>
+                </a:solidFill>
+              </a:rPr>
+              <a:t>引入</a:t>
+            </a:r>
+            <a:r>
+              <a:rPr lang="en-US" altLang="zh-CN">
+                <a:solidFill>
+                  <a:srgbClr val="C00000"/>
+                </a:solidFill>
+              </a:rPr>
+              <a:t>vant</a:t>
+            </a:r>
+            <a:r>
+              <a:rPr lang="zh-CN" altLang="en-US">
+                <a:solidFill>
+                  <a:srgbClr val="C00000"/>
+                </a:solidFill>
+              </a:rPr>
+              <a:t>组件库</a:t>
+            </a:r>
+            <a:endParaRPr lang="en-US" altLang="zh-CN">
+              <a:solidFill>
+                <a:srgbClr val="C00000"/>
+              </a:solidFill>
+            </a:endParaRPr>
+          </a:p>
+          <a:p>
+            <a:pPr>
+              <a:buFont typeface="+mj-lt"/>
+              <a:buAutoNum type="arabicPeriod"/>
+            </a:pPr>
+            <a:r>
+              <a:rPr lang="zh-CN" altLang="en-US"/>
+              <a:t>引入</a:t>
+            </a:r>
+            <a:r>
+              <a:rPr lang="en-US" altLang="zh-CN"/>
+              <a:t>REM</a:t>
+            </a:r>
+            <a:r>
+              <a:rPr lang="zh-CN" altLang="en-US"/>
+              <a:t>解决多屏适配</a:t>
+            </a:r>
+            <a:endParaRPr lang="en-US" altLang="zh-CN"/>
+          </a:p>
+          <a:p>
+            <a:pPr>
+              <a:buFont typeface="+mj-lt"/>
+              <a:buAutoNum type="arabicPeriod"/>
+            </a:pPr>
+            <a:r>
+              <a:rPr lang="zh-CN" altLang="en-US"/>
+              <a:t>封装</a:t>
+            </a:r>
+            <a:r>
+              <a:rPr lang="en-US" altLang="zh-CN"/>
+              <a:t>axios</a:t>
+            </a:r>
+            <a:r>
+              <a:rPr lang="zh-CN" altLang="en-US"/>
+              <a:t>请求</a:t>
+            </a:r>
+            <a:endParaRPr lang="en-US" altLang="zh-CN"/>
+          </a:p>
+        </p:txBody>
+      </p:sp>
     </p:spTree>
     <p:extLst>
       <p:ext uri="{BB962C8B-B14F-4D97-AF65-F5344CB8AC3E}">
-        <p14:creationId xmlns:p14="http://schemas.microsoft.com/office/powerpoint/2010/main" val="2955645788"/>
+        <p14:creationId xmlns:p14="http://schemas.microsoft.com/office/powerpoint/2010/main" val="2569004966"/>
       </p:ext>
     </p:extLst>
   </p:cSld>

--- a/00ppt/02-黑马头条-项目初始化.pptx
+++ b/00ppt/02-黑马头条-项目初始化.pptx
@@ -264,7 +264,7 @@
           <a:p>
             <a:fld id="{593DFD10-C36A-A44C-AC52-E91D9A58CF7E}" type="datetimeFigureOut">
               <a:rPr kumimoji="1" lang="zh-CN" altLang="en-US" smtClean="0"/>
-              <a:t>2021/2/27</a:t>
+              <a:t>2021/2/28</a:t>
             </a:fld>
             <a:endParaRPr kumimoji="1" lang="zh-CN" altLang="en-US"/>
           </a:p>
@@ -441,7 +441,7 @@
           <a:p>
             <a:fld id="{AEE7ACF5-0677-4CC5-89ED-AE83D3F5859D}" type="datetimeFigureOut">
               <a:rPr lang="zh-CN" altLang="en-US" smtClean="0"/>
-              <a:t>2021/2/27</a:t>
+              <a:t>2021/2/28</a:t>
             </a:fld>
             <a:endParaRPr lang="zh-CN" altLang="en-US"/>
           </a:p>
@@ -12705,7 +12705,7 @@
         </p:nvSpPr>
         <p:spPr>
           <a:xfrm>
-            <a:off x="6307948" y="4022985"/>
+            <a:off x="5137702" y="3503196"/>
             <a:ext cx="6094520" cy="2308324"/>
           </a:xfrm>
           <a:prstGeom prst="rect">
@@ -12731,7 +12731,7 @@
           <a:p>
             <a:r>
               <a:rPr lang="en-US" altLang="zh-CN"/>
-              <a:t>mint UI : </a:t>
+              <a:t> - mint UI : </a:t>
             </a:r>
             <a:r>
               <a:rPr lang="zh-CN" altLang="en-US"/>
@@ -12753,18 +12753,22 @@
           <a:p>
             <a:r>
               <a:rPr lang="en-US" altLang="zh-CN"/>
+              <a:t> - </a:t>
+            </a:r>
+            <a:r>
+              <a:rPr lang="en-US" altLang="zh-CN" b="1"/>
               <a:t>vant : </a:t>
             </a:r>
             <a:r>
-              <a:rPr lang="zh-CN" altLang="en-US"/>
+              <a:rPr lang="zh-CN" altLang="en-US" b="1"/>
               <a:t>有赞</a:t>
             </a:r>
-            <a:endParaRPr lang="en-US" altLang="zh-CN"/>
+            <a:endParaRPr lang="en-US" altLang="zh-CN" b="1"/>
           </a:p>
           <a:p>
             <a:r>
               <a:rPr lang="en-US" altLang="zh-CN"/>
-              <a:t>cube-ui : </a:t>
+              <a:t> - cube-ui : </a:t>
             </a:r>
             <a:r>
               <a:rPr lang="zh-CN" altLang="en-US"/>
@@ -12775,13 +12779,13 @@
           <a:p>
             <a:r>
               <a:rPr lang="en-US" altLang="zh-CN"/>
-              <a:t>muse UI: </a:t>
+              <a:t> - muse UI: </a:t>
             </a:r>
           </a:p>
           <a:p>
             <a:r>
               <a:rPr lang="en-US" altLang="zh-CN"/>
-              <a:t>NutUI: JD</a:t>
+              <a:t> - NutUI: JD</a:t>
             </a:r>
             <a:endParaRPr lang="zh-CN" altLang="en-US"/>
           </a:p>
@@ -12818,7 +12822,7 @@
         </p:blipFill>
         <p:spPr>
           <a:xfrm>
-            <a:off x="8184962" y="1547193"/>
+            <a:off x="5602778" y="1467294"/>
             <a:ext cx="1486029" cy="1638442"/>
           </a:xfrm>
           <a:prstGeom prst="rect">
@@ -13767,7 +13771,7 @@
           <a:p>
             <a:r>
               <a:rPr kumimoji="1" lang="zh-CN" altLang="en-US"/>
-              <a:t>使用</a:t>
+              <a:t>复习使用</a:t>
             </a:r>
             <a:r>
               <a:rPr kumimoji="1" lang="en-US" altLang="zh-CN"/>
@@ -14062,11 +14066,39 @@
           <a:p>
             <a:r>
               <a:rPr lang="en-US" altLang="zh-CN"/>
-              <a:t>- vuex  </a:t>
-            </a:r>
-            <a:r>
-              <a:rPr lang="zh-CN" altLang="en-US"/>
+              <a:t>- </a:t>
+            </a:r>
+            <a:r>
+              <a:rPr lang="en-US" altLang="zh-CN">
+                <a:solidFill>
+                  <a:srgbClr val="C00000"/>
+                </a:solidFill>
+              </a:rPr>
+              <a:t>vuex  </a:t>
+            </a:r>
+            <a:r>
+              <a:rPr lang="zh-CN" altLang="en-US">
+                <a:solidFill>
+                  <a:srgbClr val="C00000"/>
+                </a:solidFill>
+              </a:rPr>
               <a:t>状态管理插件</a:t>
+            </a:r>
+            <a:r>
+              <a:rPr lang="en-US" altLang="zh-CN">
+                <a:solidFill>
+                  <a:srgbClr val="C00000"/>
+                </a:solidFill>
+              </a:rPr>
+              <a:t>-</a:t>
+            </a:r>
+            <a:r>
+              <a:rPr lang="zh-CN" altLang="en-US">
+                <a:solidFill>
+                  <a:srgbClr val="C00000"/>
+                </a:solidFill>
+              </a:rPr>
+              <a:t>管理公共数据</a:t>
             </a:r>
           </a:p>
           <a:p>
@@ -14102,41 +14134,88 @@
           <a:p>
             <a:r>
               <a:rPr lang="en-US" altLang="zh-CN"/>
-              <a:t>- socket.io-client  </a:t>
-            </a:r>
-            <a:r>
-              <a:rPr lang="zh-CN" altLang="en-US"/>
+              <a:t>- </a:t>
+            </a:r>
+            <a:r>
+              <a:rPr lang="en-US" altLang="zh-CN">
+                <a:solidFill>
+                  <a:srgbClr val="C00000"/>
+                </a:solidFill>
+              </a:rPr>
+              <a:t>socket.io-client  </a:t>
+            </a:r>
+            <a:r>
+              <a:rPr lang="zh-CN" altLang="en-US">
+                <a:solidFill>
+                  <a:srgbClr val="C00000"/>
+                </a:solidFill>
+              </a:rPr>
               <a:t>即时通讯库</a:t>
             </a:r>
           </a:p>
           <a:p>
             <a:r>
-              <a:rPr lang="en-US" altLang="zh-CN"/>
+              <a:rPr lang="en-US" altLang="zh-CN">
+                <a:solidFill>
+                  <a:srgbClr val="C00000"/>
+                </a:solidFill>
+              </a:rPr>
               <a:t>- vant </a:t>
             </a:r>
             <a:r>
-              <a:rPr lang="zh-CN" altLang="en-US"/>
-              <a:t>移动组件库</a:t>
-            </a:r>
-          </a:p>
-          <a:p>
-            <a:r>
-              <a:rPr lang="en-US" altLang="zh-CN"/>
+              <a:rPr lang="zh-CN" altLang="en-US">
+                <a:solidFill>
+                  <a:srgbClr val="C00000"/>
+                </a:solidFill>
+              </a:rPr>
+              <a:t>移动组件库 </a:t>
+            </a:r>
+            <a:r>
+              <a:rPr lang="en-US" altLang="zh-CN">
+                <a:solidFill>
+                  <a:srgbClr val="C00000"/>
+                </a:solidFill>
+              </a:rPr>
+              <a:t>–</a:t>
+            </a:r>
+            <a:r>
+              <a:rPr lang="zh-CN" altLang="en-US">
+                <a:solidFill>
+                  <a:srgbClr val="C00000"/>
+                </a:solidFill>
+              </a:rPr>
+              <a:t> 类似于</a:t>
+            </a:r>
+            <a:r>
+              <a:rPr lang="en-US" altLang="zh-CN">
+                <a:solidFill>
+                  <a:srgbClr val="C00000"/>
+                </a:solidFill>
+              </a:rPr>
+              <a:t>element-ui</a:t>
+            </a:r>
+            <a:endParaRPr lang="zh-CN" altLang="en-US">
+              <a:solidFill>
+                <a:srgbClr val="C00000"/>
+              </a:solidFill>
+            </a:endParaRPr>
+          </a:p>
+          <a:p>
+            <a:r>
+              <a:rPr lang="en-US" altLang="zh-CN">
+                <a:solidFill>
+                  <a:srgbClr val="C00000"/>
+                </a:solidFill>
+              </a:rPr>
               <a:t>- amfe-flexible  rem</a:t>
             </a:r>
             <a:r>
-              <a:rPr lang="zh-CN" altLang="en-US"/>
+              <a:rPr lang="zh-CN" altLang="en-US">
+                <a:solidFill>
+                  <a:srgbClr val="C00000"/>
+                </a:solidFill>
+              </a:rPr>
               <a:t>适配</a:t>
-            </a:r>
-          </a:p>
-          <a:p>
-            <a:r>
-              <a:rPr lang="en-US" altLang="zh-CN"/>
-              <a:t>- vue-lazyload </a:t>
-            </a:r>
-            <a:r>
-              <a:rPr lang="zh-CN" altLang="en-US"/>
-              <a:t>图片懒加载</a:t>
             </a:r>
           </a:p>
           <a:p>
@@ -14145,23 +14224,65 @@
               <a:t>- </a:t>
             </a:r>
             <a:r>
-              <a:rPr lang="zh-CN" altLang="en-US"/>
+              <a:rPr lang="en-US" altLang="zh-CN">
+                <a:solidFill>
+                  <a:srgbClr val="C00000"/>
+                </a:solidFill>
+              </a:rPr>
+              <a:t>vue-lazyload </a:t>
+            </a:r>
+            <a:r>
+              <a:rPr lang="zh-CN" altLang="en-US">
+                <a:solidFill>
+                  <a:srgbClr val="C00000"/>
+                </a:solidFill>
+              </a:rPr>
+              <a:t>图片懒加载</a:t>
+            </a:r>
+          </a:p>
+          <a:p>
+            <a:r>
+              <a:rPr lang="en-US" altLang="zh-CN"/>
+              <a:t>- </a:t>
+            </a:r>
+            <a:r>
+              <a:rPr lang="zh-CN" altLang="en-US">
+                <a:solidFill>
+                  <a:srgbClr val="C00000"/>
+                </a:solidFill>
+              </a:rPr>
               <a:t>打包</a:t>
             </a:r>
             <a:r>
-              <a:rPr lang="en-US" altLang="zh-CN"/>
+              <a:rPr lang="en-US" altLang="zh-CN">
+                <a:solidFill>
+                  <a:srgbClr val="C00000"/>
+                </a:solidFill>
+              </a:rPr>
               <a:t>App</a:t>
             </a:r>
             <a:r>
-              <a:rPr lang="zh-CN" altLang="en-US"/>
+              <a:rPr lang="zh-CN" altLang="en-US">
+                <a:solidFill>
+                  <a:srgbClr val="C00000"/>
+                </a:solidFill>
+              </a:rPr>
               <a:t>：</a:t>
             </a:r>
             <a:r>
-              <a:rPr lang="en-US" altLang="zh-CN"/>
+              <a:rPr lang="en-US" altLang="zh-CN">
+                <a:solidFill>
+                  <a:srgbClr val="C00000"/>
+                </a:solidFill>
+              </a:rPr>
               <a:t>DCLOUD </a:t>
             </a:r>
             <a:r>
-              <a:rPr lang="zh-CN" altLang="en-US"/>
+              <a:rPr lang="zh-CN" altLang="en-US">
+                <a:solidFill>
+                  <a:srgbClr val="C00000"/>
+                </a:solidFill>
+              </a:rPr>
               <a:t>打包</a:t>
             </a:r>
           </a:p>
@@ -14215,7 +14336,7 @@
         </p:nvSpPr>
         <p:spPr>
           <a:xfrm>
-            <a:off x="9481900" y="3001788"/>
+            <a:off x="5886444" y="2435151"/>
             <a:ext cx="1284133" cy="1073063"/>
           </a:xfrm>
           <a:prstGeom prst="rect">
@@ -14413,7 +14534,7 @@
         </p:blipFill>
         <p:spPr>
           <a:xfrm>
-            <a:off x="9481900" y="3643162"/>
+            <a:off x="5966343" y="2897437"/>
             <a:ext cx="1806097" cy="1836579"/>
           </a:xfrm>
           <a:prstGeom prst="rect">
@@ -14772,7 +14893,7 @@
         </p:blipFill>
         <p:spPr>
           <a:xfrm>
-            <a:off x="6096000" y="2583595"/>
+            <a:off x="4648939" y="1785438"/>
             <a:ext cx="5524979" cy="3429297"/>
           </a:xfrm>
           <a:prstGeom prst="rect">
